--- a/Documents/Powerpoints/5.0 LINQ and Lambda Expressions.pptx
+++ b/Documents/Powerpoints/5.0 LINQ and Lambda Expressions.pptx
@@ -5,7 +5,7 @@
     <p:sldMasterId id="2147483666" r:id="rId1"/>
   </p:sldMasterIdLst>
   <p:notesMasterIdLst>
-    <p:notesMasterId r:id="rId34"/>
+    <p:notesMasterId r:id="rId45"/>
   </p:notesMasterIdLst>
   <p:sldIdLst>
     <p:sldId id="256" r:id="rId2"/>
@@ -40,13 +40,24 @@
     <p:sldId id="264" r:id="rId31"/>
     <p:sldId id="265" r:id="rId32"/>
     <p:sldId id="266" r:id="rId33"/>
+    <p:sldId id="291" r:id="rId34"/>
+    <p:sldId id="292" r:id="rId35"/>
+    <p:sldId id="294" r:id="rId36"/>
+    <p:sldId id="293" r:id="rId37"/>
+    <p:sldId id="289" r:id="rId38"/>
+    <p:sldId id="290" r:id="rId39"/>
+    <p:sldId id="288" r:id="rId40"/>
+    <p:sldId id="295" r:id="rId41"/>
+    <p:sldId id="296" r:id="rId42"/>
+    <p:sldId id="297" r:id="rId43"/>
+    <p:sldId id="298" r:id="rId44"/>
   </p:sldIdLst>
   <p:sldSz cx="9144000" cy="5143500" type="screen16x9"/>
   <p:notesSz cx="6858000" cy="9144000"/>
   <p:embeddedFontLst>
     <p:embeddedFont>
       <p:font typeface="Lustria" panose="020B0604020202020204" charset="0"/>
-      <p:regular r:id="rId35"/>
+      <p:regular r:id="rId46"/>
     </p:embeddedFont>
   </p:embeddedFontLst>
   <p:defaultTextStyle>
@@ -27328,6 +27339,831 @@
 </p:sld>
 </file>
 
+<file path=ppt/slides/slide33.xml><?xml version="1.0" encoding="utf-8"?>
+<p:sld xmlns:a="http://schemas.openxmlformats.org/drawingml/2006/main" xmlns:r="http://schemas.openxmlformats.org/officeDocument/2006/relationships" xmlns:p="http://schemas.openxmlformats.org/presentationml/2006/main">
+  <p:cSld>
+    <p:spTree>
+      <p:nvGrpSpPr>
+        <p:cNvPr id="1" name=""/>
+        <p:cNvGrpSpPr/>
+        <p:nvPr/>
+      </p:nvGrpSpPr>
+      <p:grpSpPr>
+        <a:xfrm>
+          <a:off x="0" y="0"/>
+          <a:ext cx="0" cy="0"/>
+          <a:chOff x="0" y="0"/>
+          <a:chExt cx="0" cy="0"/>
+        </a:xfrm>
+      </p:grpSpPr>
+      <p:sp>
+        <p:nvSpPr>
+          <p:cNvPr id="2" name="Title 1">
+            <a:extLst>
+              <a:ext uri="{FF2B5EF4-FFF2-40B4-BE49-F238E27FC236}">
+                <a16:creationId xmlns:a16="http://schemas.microsoft.com/office/drawing/2014/main" id="{DB48E003-EA29-4288-8264-1A832CD6C696}"/>
+              </a:ext>
+            </a:extLst>
+          </p:cNvPr>
+          <p:cNvSpPr>
+            <a:spLocks noGrp="1"/>
+          </p:cNvSpPr>
+          <p:nvPr>
+            <p:ph type="title"/>
+          </p:nvPr>
+        </p:nvSpPr>
+        <p:spPr/>
+        <p:txBody>
+          <a:bodyPr/>
+          <a:lstStyle/>
+          <a:p>
+            <a:r>
+              <a:rPr lang="en-US" dirty="0"/>
+              <a:t>Delegates</a:t>
+            </a:r>
+          </a:p>
+        </p:txBody>
+      </p:sp>
+      <p:sp>
+        <p:nvSpPr>
+          <p:cNvPr id="3" name="Text Placeholder 2">
+            <a:extLst>
+              <a:ext uri="{FF2B5EF4-FFF2-40B4-BE49-F238E27FC236}">
+                <a16:creationId xmlns:a16="http://schemas.microsoft.com/office/drawing/2014/main" id="{9E77EED2-4EFC-4A0F-939E-A1B6ECD3A6FE}"/>
+              </a:ext>
+            </a:extLst>
+          </p:cNvPr>
+          <p:cNvSpPr>
+            <a:spLocks noGrp="1"/>
+          </p:cNvSpPr>
+          <p:nvPr>
+            <p:ph type="body" idx="1"/>
+          </p:nvPr>
+        </p:nvSpPr>
+        <p:spPr/>
+        <p:txBody>
+          <a:bodyPr/>
+          <a:lstStyle/>
+          <a:p>
+            <a:r>
+              <a:rPr lang="en-US" dirty="0"/>
+              <a:t>A delegate is very similar to a function pointer in C/C++</a:t>
+            </a:r>
+          </a:p>
+          <a:p>
+            <a:r>
+              <a:rPr lang="en-US" dirty="0"/>
+              <a:t>Think of it as a variable that holds a method.</a:t>
+            </a:r>
+          </a:p>
+          <a:p>
+            <a:endParaRPr lang="en-US" dirty="0"/>
+          </a:p>
+          <a:p>
+            <a:r>
+              <a:rPr lang="en-US" dirty="0"/>
+              <a:t>Can be used in many ways, but most often used for events.</a:t>
+            </a:r>
+          </a:p>
+          <a:p>
+            <a:pPr lvl="1"/>
+            <a:r>
+              <a:rPr lang="en-US" dirty="0"/>
+              <a:t>AI Example</a:t>
+            </a:r>
+          </a:p>
+          <a:p>
+            <a:endParaRPr lang="en-US" dirty="0"/>
+          </a:p>
+        </p:txBody>
+      </p:sp>
+    </p:spTree>
+    <p:extLst>
+      <p:ext uri="{BB962C8B-B14F-4D97-AF65-F5344CB8AC3E}">
+        <p14:creationId xmlns:p14="http://schemas.microsoft.com/office/powerpoint/2010/main" val="1799904894"/>
+      </p:ext>
+    </p:extLst>
+  </p:cSld>
+  <p:clrMapOvr>
+    <a:masterClrMapping/>
+  </p:clrMapOvr>
+</p:sld>
+</file>
+
+<file path=ppt/slides/slide34.xml><?xml version="1.0" encoding="utf-8"?>
+<p:sld xmlns:a="http://schemas.openxmlformats.org/drawingml/2006/main" xmlns:r="http://schemas.openxmlformats.org/officeDocument/2006/relationships" xmlns:p="http://schemas.openxmlformats.org/presentationml/2006/main">
+  <p:cSld>
+    <p:spTree>
+      <p:nvGrpSpPr>
+        <p:cNvPr id="1" name=""/>
+        <p:cNvGrpSpPr/>
+        <p:nvPr/>
+      </p:nvGrpSpPr>
+      <p:grpSpPr>
+        <a:xfrm>
+          <a:off x="0" y="0"/>
+          <a:ext cx="0" cy="0"/>
+          <a:chOff x="0" y="0"/>
+          <a:chExt cx="0" cy="0"/>
+        </a:xfrm>
+      </p:grpSpPr>
+      <p:sp>
+        <p:nvSpPr>
+          <p:cNvPr id="2" name="Title 1">
+            <a:extLst>
+              <a:ext uri="{FF2B5EF4-FFF2-40B4-BE49-F238E27FC236}">
+                <a16:creationId xmlns:a16="http://schemas.microsoft.com/office/drawing/2014/main" id="{8B1C444F-FEA1-4617-AE66-BD78C97ADA6D}"/>
+              </a:ext>
+            </a:extLst>
+          </p:cNvPr>
+          <p:cNvSpPr>
+            <a:spLocks noGrp="1"/>
+          </p:cNvSpPr>
+          <p:nvPr>
+            <p:ph type="title"/>
+          </p:nvPr>
+        </p:nvSpPr>
+        <p:spPr>
+          <a:xfrm>
+            <a:off x="342673" y="436162"/>
+            <a:ext cx="8450546" cy="727800"/>
+          </a:xfrm>
+        </p:spPr>
+        <p:txBody>
+          <a:bodyPr/>
+          <a:lstStyle/>
+          <a:p>
+            <a:r>
+              <a:rPr lang="en-US" dirty="0"/>
+              <a:t>Delegates using named methods</a:t>
+            </a:r>
+          </a:p>
+        </p:txBody>
+      </p:sp>
+      <p:pic>
+        <p:nvPicPr>
+          <p:cNvPr id="4" name="Picture 3">
+            <a:extLst>
+              <a:ext uri="{FF2B5EF4-FFF2-40B4-BE49-F238E27FC236}">
+                <a16:creationId xmlns:a16="http://schemas.microsoft.com/office/drawing/2014/main" id="{68BFC2B6-EF3D-4AFC-A157-777D39C38EEF}"/>
+              </a:ext>
+            </a:extLst>
+          </p:cNvPr>
+          <p:cNvPicPr>
+            <a:picLocks noChangeAspect="1"/>
+          </p:cNvPicPr>
+          <p:nvPr/>
+        </p:nvPicPr>
+        <p:blipFill>
+          <a:blip r:embed="rId2"/>
+          <a:stretch>
+            <a:fillRect/>
+          </a:stretch>
+        </p:blipFill>
+        <p:spPr>
+          <a:xfrm>
+            <a:off x="2259844" y="1163962"/>
+            <a:ext cx="4616203" cy="3804957"/>
+          </a:xfrm>
+          <a:prstGeom prst="rect">
+            <a:avLst/>
+          </a:prstGeom>
+        </p:spPr>
+      </p:pic>
+    </p:spTree>
+    <p:extLst>
+      <p:ext uri="{BB962C8B-B14F-4D97-AF65-F5344CB8AC3E}">
+        <p14:creationId xmlns:p14="http://schemas.microsoft.com/office/powerpoint/2010/main" val="2362712093"/>
+      </p:ext>
+    </p:extLst>
+  </p:cSld>
+  <p:clrMapOvr>
+    <a:masterClrMapping/>
+  </p:clrMapOvr>
+</p:sld>
+</file>
+
+<file path=ppt/slides/slide35.xml><?xml version="1.0" encoding="utf-8"?>
+<p:sld xmlns:a="http://schemas.openxmlformats.org/drawingml/2006/main" xmlns:r="http://schemas.openxmlformats.org/officeDocument/2006/relationships" xmlns:p="http://schemas.openxmlformats.org/presentationml/2006/main">
+  <p:cSld>
+    <p:spTree>
+      <p:nvGrpSpPr>
+        <p:cNvPr id="1" name=""/>
+        <p:cNvGrpSpPr/>
+        <p:nvPr/>
+      </p:nvGrpSpPr>
+      <p:grpSpPr>
+        <a:xfrm>
+          <a:off x="0" y="0"/>
+          <a:ext cx="0" cy="0"/>
+          <a:chOff x="0" y="0"/>
+          <a:chExt cx="0" cy="0"/>
+        </a:xfrm>
+      </p:grpSpPr>
+      <p:sp>
+        <p:nvSpPr>
+          <p:cNvPr id="2" name="Title 1">
+            <a:extLst>
+              <a:ext uri="{FF2B5EF4-FFF2-40B4-BE49-F238E27FC236}">
+                <a16:creationId xmlns:a16="http://schemas.microsoft.com/office/drawing/2014/main" id="{E04E5BD2-C436-46E6-8233-6C409C500446}"/>
+              </a:ext>
+            </a:extLst>
+          </p:cNvPr>
+          <p:cNvSpPr>
+            <a:spLocks noGrp="1"/>
+          </p:cNvSpPr>
+          <p:nvPr>
+            <p:ph type="title"/>
+          </p:nvPr>
+        </p:nvSpPr>
+        <p:spPr>
+          <a:xfrm>
+            <a:off x="0" y="457200"/>
+            <a:ext cx="9144000" cy="727800"/>
+          </a:xfrm>
+        </p:spPr>
+        <p:txBody>
+          <a:bodyPr/>
+          <a:lstStyle/>
+          <a:p>
+            <a:r>
+              <a:rPr lang="en-US" dirty="0"/>
+              <a:t>Delegates using anonymous methods</a:t>
+            </a:r>
+          </a:p>
+        </p:txBody>
+      </p:sp>
+      <p:pic>
+        <p:nvPicPr>
+          <p:cNvPr id="4" name="Picture 3">
+            <a:extLst>
+              <a:ext uri="{FF2B5EF4-FFF2-40B4-BE49-F238E27FC236}">
+                <a16:creationId xmlns:a16="http://schemas.microsoft.com/office/drawing/2014/main" id="{ADD5D2E0-8855-4F58-9789-2AFA982762D1}"/>
+              </a:ext>
+            </a:extLst>
+          </p:cNvPr>
+          <p:cNvPicPr>
+            <a:picLocks noChangeAspect="1"/>
+          </p:cNvPicPr>
+          <p:nvPr/>
+        </p:nvPicPr>
+        <p:blipFill>
+          <a:blip r:embed="rId2"/>
+          <a:stretch>
+            <a:fillRect/>
+          </a:stretch>
+        </p:blipFill>
+        <p:spPr>
+          <a:xfrm>
+            <a:off x="1519237" y="1467690"/>
+            <a:ext cx="6105525" cy="3324225"/>
+          </a:xfrm>
+          <a:prstGeom prst="rect">
+            <a:avLst/>
+          </a:prstGeom>
+        </p:spPr>
+      </p:pic>
+    </p:spTree>
+    <p:extLst>
+      <p:ext uri="{BB962C8B-B14F-4D97-AF65-F5344CB8AC3E}">
+        <p14:creationId xmlns:p14="http://schemas.microsoft.com/office/powerpoint/2010/main" val="2742986700"/>
+      </p:ext>
+    </p:extLst>
+  </p:cSld>
+  <p:clrMapOvr>
+    <a:masterClrMapping/>
+  </p:clrMapOvr>
+</p:sld>
+</file>
+
+<file path=ppt/slides/slide36.xml><?xml version="1.0" encoding="utf-8"?>
+<p:sld xmlns:a="http://schemas.openxmlformats.org/drawingml/2006/main" xmlns:r="http://schemas.openxmlformats.org/officeDocument/2006/relationships" xmlns:p="http://schemas.openxmlformats.org/presentationml/2006/main">
+  <p:cSld>
+    <p:spTree>
+      <p:nvGrpSpPr>
+        <p:cNvPr id="1" name=""/>
+        <p:cNvGrpSpPr/>
+        <p:nvPr/>
+      </p:nvGrpSpPr>
+      <p:grpSpPr>
+        <a:xfrm>
+          <a:off x="0" y="0"/>
+          <a:ext cx="0" cy="0"/>
+          <a:chOff x="0" y="0"/>
+          <a:chExt cx="0" cy="0"/>
+        </a:xfrm>
+      </p:grpSpPr>
+      <p:sp>
+        <p:nvSpPr>
+          <p:cNvPr id="2" name="Title 1">
+            <a:extLst>
+              <a:ext uri="{FF2B5EF4-FFF2-40B4-BE49-F238E27FC236}">
+                <a16:creationId xmlns:a16="http://schemas.microsoft.com/office/drawing/2014/main" id="{8109A37B-B76D-4EFF-971F-2B8E3F5320AE}"/>
+              </a:ext>
+            </a:extLst>
+          </p:cNvPr>
+          <p:cNvSpPr>
+            <a:spLocks noGrp="1"/>
+          </p:cNvSpPr>
+          <p:nvPr>
+            <p:ph type="title"/>
+          </p:nvPr>
+        </p:nvSpPr>
+        <p:spPr/>
+        <p:txBody>
+          <a:bodyPr/>
+          <a:lstStyle/>
+          <a:p>
+            <a:r>
+              <a:rPr lang="en-US" dirty="0"/>
+              <a:t>Delegate Multicasting</a:t>
+            </a:r>
+          </a:p>
+        </p:txBody>
+      </p:sp>
+      <p:sp>
+        <p:nvSpPr>
+          <p:cNvPr id="3" name="Text Placeholder 2">
+            <a:extLst>
+              <a:ext uri="{FF2B5EF4-FFF2-40B4-BE49-F238E27FC236}">
+                <a16:creationId xmlns:a16="http://schemas.microsoft.com/office/drawing/2014/main" id="{92476151-8039-4D85-BAD9-95B6BB486AFF}"/>
+              </a:ext>
+            </a:extLst>
+          </p:cNvPr>
+          <p:cNvSpPr>
+            <a:spLocks noGrp="1"/>
+          </p:cNvSpPr>
+          <p:nvPr>
+            <p:ph type="body" idx="1"/>
+          </p:nvPr>
+        </p:nvSpPr>
+        <p:spPr/>
+        <p:txBody>
+          <a:bodyPr/>
+          <a:lstStyle/>
+          <a:p>
+            <a:r>
+              <a:rPr lang="en-US" dirty="0"/>
+              <a:t>Delegates can have multiple methods assigned to them.</a:t>
+            </a:r>
+          </a:p>
+          <a:p>
+            <a:r>
+              <a:rPr lang="en-US" dirty="0"/>
+              <a:t>The code below is inefficient, but is a decent example.</a:t>
+            </a:r>
+          </a:p>
+          <a:p>
+            <a:pPr lvl="1"/>
+            <a:r>
+              <a:rPr lang="en-US" dirty="0"/>
+              <a:t>Just use a string builder instead.</a:t>
+            </a:r>
+          </a:p>
+          <a:p>
+            <a:endParaRPr lang="en-US" dirty="0"/>
+          </a:p>
+        </p:txBody>
+      </p:sp>
+      <p:pic>
+        <p:nvPicPr>
+          <p:cNvPr id="4" name="Picture 3">
+            <a:extLst>
+              <a:ext uri="{FF2B5EF4-FFF2-40B4-BE49-F238E27FC236}">
+                <a16:creationId xmlns:a16="http://schemas.microsoft.com/office/drawing/2014/main" id="{A5F26258-E047-4CFE-BBA4-D6C52A134C10}"/>
+              </a:ext>
+            </a:extLst>
+          </p:cNvPr>
+          <p:cNvPicPr>
+            <a:picLocks noChangeAspect="1"/>
+          </p:cNvPicPr>
+          <p:nvPr/>
+        </p:nvPicPr>
+        <p:blipFill>
+          <a:blip r:embed="rId2"/>
+          <a:stretch>
+            <a:fillRect/>
+          </a:stretch>
+        </p:blipFill>
+        <p:spPr>
+          <a:xfrm>
+            <a:off x="456866" y="2480836"/>
+            <a:ext cx="8230267" cy="2568533"/>
+          </a:xfrm>
+          <a:prstGeom prst="rect">
+            <a:avLst/>
+          </a:prstGeom>
+        </p:spPr>
+      </p:pic>
+    </p:spTree>
+    <p:extLst>
+      <p:ext uri="{BB962C8B-B14F-4D97-AF65-F5344CB8AC3E}">
+        <p14:creationId xmlns:p14="http://schemas.microsoft.com/office/powerpoint/2010/main" val="1850919891"/>
+      </p:ext>
+    </p:extLst>
+  </p:cSld>
+  <p:clrMapOvr>
+    <a:masterClrMapping/>
+  </p:clrMapOvr>
+</p:sld>
+</file>
+
+<file path=ppt/slides/slide37.xml><?xml version="1.0" encoding="utf-8"?>
+<p:sld xmlns:a="http://schemas.openxmlformats.org/drawingml/2006/main" xmlns:r="http://schemas.openxmlformats.org/officeDocument/2006/relationships" xmlns:p="http://schemas.openxmlformats.org/presentationml/2006/main">
+  <p:cSld>
+    <p:spTree>
+      <p:nvGrpSpPr>
+        <p:cNvPr id="1" name=""/>
+        <p:cNvGrpSpPr/>
+        <p:nvPr/>
+      </p:nvGrpSpPr>
+      <p:grpSpPr>
+        <a:xfrm>
+          <a:off x="0" y="0"/>
+          <a:ext cx="0" cy="0"/>
+          <a:chOff x="0" y="0"/>
+          <a:chExt cx="0" cy="0"/>
+        </a:xfrm>
+      </p:grpSpPr>
+      <p:sp>
+        <p:nvSpPr>
+          <p:cNvPr id="2" name="Title 1">
+            <a:extLst>
+              <a:ext uri="{FF2B5EF4-FFF2-40B4-BE49-F238E27FC236}">
+                <a16:creationId xmlns:a16="http://schemas.microsoft.com/office/drawing/2014/main" id="{6C1011A4-DF88-470B-A82A-F1B7984FDCD5}"/>
+              </a:ext>
+            </a:extLst>
+          </p:cNvPr>
+          <p:cNvSpPr>
+            <a:spLocks noGrp="1"/>
+          </p:cNvSpPr>
+          <p:nvPr>
+            <p:ph type="title"/>
+          </p:nvPr>
+        </p:nvSpPr>
+        <p:spPr/>
+        <p:txBody>
+          <a:bodyPr/>
+          <a:lstStyle/>
+          <a:p>
+            <a:r>
+              <a:rPr lang="en-US" dirty="0"/>
+              <a:t>Real Example</a:t>
+            </a:r>
+          </a:p>
+        </p:txBody>
+      </p:sp>
+      <p:sp>
+        <p:nvSpPr>
+          <p:cNvPr id="3" name="Text Placeholder 2">
+            <a:extLst>
+              <a:ext uri="{FF2B5EF4-FFF2-40B4-BE49-F238E27FC236}">
+                <a16:creationId xmlns:a16="http://schemas.microsoft.com/office/drawing/2014/main" id="{26FAF3D3-CF07-4136-B7CE-9F4D255EBB51}"/>
+              </a:ext>
+            </a:extLst>
+          </p:cNvPr>
+          <p:cNvSpPr>
+            <a:spLocks noGrp="1"/>
+          </p:cNvSpPr>
+          <p:nvPr>
+            <p:ph type="body" idx="1"/>
+          </p:nvPr>
+        </p:nvSpPr>
+        <p:spPr>
+          <a:xfrm>
+            <a:off x="0" y="1299338"/>
+            <a:ext cx="6419190" cy="3044100"/>
+          </a:xfrm>
+        </p:spPr>
+        <p:txBody>
+          <a:bodyPr/>
+          <a:lstStyle/>
+          <a:p>
+            <a:r>
+              <a:rPr lang="en-US" dirty="0"/>
+              <a:t>Last semester I made a simple mobile app to help demonstrate to students effective ways of pitching their ideas.</a:t>
+            </a:r>
+          </a:p>
+          <a:p>
+            <a:r>
+              <a:rPr lang="en-US" dirty="0"/>
+              <a:t>This app had 74 buttons that did the same exact function call, with a different argument for each.</a:t>
+            </a:r>
+          </a:p>
+        </p:txBody>
+      </p:sp>
+      <p:pic>
+        <p:nvPicPr>
+          <p:cNvPr id="5" name="Picture 4">
+            <a:extLst>
+              <a:ext uri="{FF2B5EF4-FFF2-40B4-BE49-F238E27FC236}">
+                <a16:creationId xmlns:a16="http://schemas.microsoft.com/office/drawing/2014/main" id="{7E0AFEDB-4636-4D25-AC6C-22259A8094BC}"/>
+              </a:ext>
+            </a:extLst>
+          </p:cNvPr>
+          <p:cNvPicPr>
+            <a:picLocks noChangeAspect="1"/>
+          </p:cNvPicPr>
+          <p:nvPr/>
+        </p:nvPicPr>
+        <p:blipFill>
+          <a:blip r:embed="rId2"/>
+          <a:stretch>
+            <a:fillRect/>
+          </a:stretch>
+        </p:blipFill>
+        <p:spPr>
+          <a:xfrm>
+            <a:off x="6419190" y="1028699"/>
+            <a:ext cx="2557582" cy="4007224"/>
+          </a:xfrm>
+          <a:prstGeom prst="rect">
+            <a:avLst/>
+          </a:prstGeom>
+        </p:spPr>
+      </p:pic>
+      <p:pic>
+        <p:nvPicPr>
+          <p:cNvPr id="6" name="Picture 5">
+            <a:extLst>
+              <a:ext uri="{FF2B5EF4-FFF2-40B4-BE49-F238E27FC236}">
+                <a16:creationId xmlns:a16="http://schemas.microsoft.com/office/drawing/2014/main" id="{4687A981-B50A-40D1-A40D-4E3BFFC2C8D1}"/>
+              </a:ext>
+            </a:extLst>
+          </p:cNvPr>
+          <p:cNvPicPr>
+            <a:picLocks noChangeAspect="1"/>
+          </p:cNvPicPr>
+          <p:nvPr/>
+        </p:nvPicPr>
+        <p:blipFill>
+          <a:blip r:embed="rId3"/>
+          <a:stretch>
+            <a:fillRect/>
+          </a:stretch>
+        </p:blipFill>
+        <p:spPr>
+          <a:xfrm>
+            <a:off x="258856" y="3370662"/>
+            <a:ext cx="5901478" cy="1087114"/>
+          </a:xfrm>
+          <a:prstGeom prst="rect">
+            <a:avLst/>
+          </a:prstGeom>
+        </p:spPr>
+      </p:pic>
+    </p:spTree>
+    <p:extLst>
+      <p:ext uri="{BB962C8B-B14F-4D97-AF65-F5344CB8AC3E}">
+        <p14:creationId xmlns:p14="http://schemas.microsoft.com/office/powerpoint/2010/main" val="3938374085"/>
+      </p:ext>
+    </p:extLst>
+  </p:cSld>
+  <p:clrMapOvr>
+    <a:masterClrMapping/>
+  </p:clrMapOvr>
+</p:sld>
+</file>
+
+<file path=ppt/slides/slide38.xml><?xml version="1.0" encoding="utf-8"?>
+<p:sld xmlns:a="http://schemas.openxmlformats.org/drawingml/2006/main" xmlns:r="http://schemas.openxmlformats.org/officeDocument/2006/relationships" xmlns:p="http://schemas.openxmlformats.org/presentationml/2006/main">
+  <p:cSld>
+    <p:spTree>
+      <p:nvGrpSpPr>
+        <p:cNvPr id="1" name=""/>
+        <p:cNvGrpSpPr/>
+        <p:nvPr/>
+      </p:nvGrpSpPr>
+      <p:grpSpPr>
+        <a:xfrm>
+          <a:off x="0" y="0"/>
+          <a:ext cx="0" cy="0"/>
+          <a:chOff x="0" y="0"/>
+          <a:chExt cx="0" cy="0"/>
+        </a:xfrm>
+      </p:grpSpPr>
+      <p:sp>
+        <p:nvSpPr>
+          <p:cNvPr id="2" name="Title 1">
+            <a:extLst>
+              <a:ext uri="{FF2B5EF4-FFF2-40B4-BE49-F238E27FC236}">
+                <a16:creationId xmlns:a16="http://schemas.microsoft.com/office/drawing/2014/main" id="{2C90510B-CC65-4069-ADE9-5A0B8ED232C9}"/>
+              </a:ext>
+            </a:extLst>
+          </p:cNvPr>
+          <p:cNvSpPr>
+            <a:spLocks noGrp="1"/>
+          </p:cNvSpPr>
+          <p:nvPr>
+            <p:ph type="title"/>
+          </p:nvPr>
+        </p:nvSpPr>
+        <p:spPr/>
+        <p:txBody>
+          <a:bodyPr/>
+          <a:lstStyle/>
+          <a:p>
+            <a:r>
+              <a:rPr lang="en-US" dirty="0"/>
+              <a:t>Simple solution</a:t>
+            </a:r>
+          </a:p>
+        </p:txBody>
+      </p:sp>
+      <p:sp>
+        <p:nvSpPr>
+          <p:cNvPr id="3" name="Text Placeholder 2">
+            <a:extLst>
+              <a:ext uri="{FF2B5EF4-FFF2-40B4-BE49-F238E27FC236}">
+                <a16:creationId xmlns:a16="http://schemas.microsoft.com/office/drawing/2014/main" id="{07CB9295-7DF2-4916-893F-DE4B08914ED6}"/>
+              </a:ext>
+            </a:extLst>
+          </p:cNvPr>
+          <p:cNvSpPr>
+            <a:spLocks noGrp="1"/>
+          </p:cNvSpPr>
+          <p:nvPr>
+            <p:ph type="body" idx="1"/>
+          </p:nvPr>
+        </p:nvSpPr>
+        <p:spPr>
+          <a:xfrm>
+            <a:off x="446887" y="1299338"/>
+            <a:ext cx="8242117" cy="3044100"/>
+          </a:xfrm>
+        </p:spPr>
+        <p:txBody>
+          <a:bodyPr/>
+          <a:lstStyle/>
+          <a:p>
+            <a:r>
+              <a:rPr lang="en-US" dirty="0"/>
+              <a:t>The code below is in a for loop that iterates over all characters</a:t>
+            </a:r>
+          </a:p>
+        </p:txBody>
+      </p:sp>
+      <p:pic>
+        <p:nvPicPr>
+          <p:cNvPr id="4" name="Picture 3">
+            <a:extLst>
+              <a:ext uri="{FF2B5EF4-FFF2-40B4-BE49-F238E27FC236}">
+                <a16:creationId xmlns:a16="http://schemas.microsoft.com/office/drawing/2014/main" id="{2B0C9D1B-7D5E-4A3E-96CF-39DE41627568}"/>
+              </a:ext>
+            </a:extLst>
+          </p:cNvPr>
+          <p:cNvPicPr>
+            <a:picLocks noChangeAspect="1"/>
+          </p:cNvPicPr>
+          <p:nvPr/>
+        </p:nvPicPr>
+        <p:blipFill>
+          <a:blip r:embed="rId2"/>
+          <a:stretch>
+            <a:fillRect/>
+          </a:stretch>
+        </p:blipFill>
+        <p:spPr>
+          <a:xfrm>
+            <a:off x="342673" y="1882894"/>
+            <a:ext cx="8450545" cy="2672805"/>
+          </a:xfrm>
+          <a:prstGeom prst="rect">
+            <a:avLst/>
+          </a:prstGeom>
+        </p:spPr>
+      </p:pic>
+    </p:spTree>
+    <p:extLst>
+      <p:ext uri="{BB962C8B-B14F-4D97-AF65-F5344CB8AC3E}">
+        <p14:creationId xmlns:p14="http://schemas.microsoft.com/office/powerpoint/2010/main" val="1844166348"/>
+      </p:ext>
+    </p:extLst>
+  </p:cSld>
+  <p:clrMapOvr>
+    <a:masterClrMapping/>
+  </p:clrMapOvr>
+</p:sld>
+</file>
+
+<file path=ppt/slides/slide39.xml><?xml version="1.0" encoding="utf-8"?>
+<p:sld xmlns:a="http://schemas.openxmlformats.org/drawingml/2006/main" xmlns:r="http://schemas.openxmlformats.org/officeDocument/2006/relationships" xmlns:p="http://schemas.openxmlformats.org/presentationml/2006/main">
+  <p:cSld>
+    <p:spTree>
+      <p:nvGrpSpPr>
+        <p:cNvPr id="1" name=""/>
+        <p:cNvGrpSpPr/>
+        <p:nvPr/>
+      </p:nvGrpSpPr>
+      <p:grpSpPr>
+        <a:xfrm>
+          <a:off x="0" y="0"/>
+          <a:ext cx="0" cy="0"/>
+          <a:chOff x="0" y="0"/>
+          <a:chExt cx="0" cy="0"/>
+        </a:xfrm>
+      </p:grpSpPr>
+      <p:sp>
+        <p:nvSpPr>
+          <p:cNvPr id="2" name="Title 1">
+            <a:extLst>
+              <a:ext uri="{FF2B5EF4-FFF2-40B4-BE49-F238E27FC236}">
+                <a16:creationId xmlns:a16="http://schemas.microsoft.com/office/drawing/2014/main" id="{DD39DAA7-20D4-4CCE-9629-841CC57EB2AA}"/>
+              </a:ext>
+            </a:extLst>
+          </p:cNvPr>
+          <p:cNvSpPr>
+            <a:spLocks noGrp="1"/>
+          </p:cNvSpPr>
+          <p:nvPr>
+            <p:ph type="title"/>
+          </p:nvPr>
+        </p:nvSpPr>
+        <p:spPr/>
+        <p:txBody>
+          <a:bodyPr/>
+          <a:lstStyle/>
+          <a:p>
+            <a:r>
+              <a:rPr lang="en-US" dirty="0"/>
+              <a:t>Lambda Expressions</a:t>
+            </a:r>
+          </a:p>
+        </p:txBody>
+      </p:sp>
+      <p:sp>
+        <p:nvSpPr>
+          <p:cNvPr id="3" name="Text Placeholder 2">
+            <a:extLst>
+              <a:ext uri="{FF2B5EF4-FFF2-40B4-BE49-F238E27FC236}">
+                <a16:creationId xmlns:a16="http://schemas.microsoft.com/office/drawing/2014/main" id="{86D8A095-9D58-47DB-AF78-0982BA9892D8}"/>
+              </a:ext>
+            </a:extLst>
+          </p:cNvPr>
+          <p:cNvSpPr>
+            <a:spLocks noGrp="1"/>
+          </p:cNvSpPr>
+          <p:nvPr>
+            <p:ph type="body" idx="1"/>
+          </p:nvPr>
+        </p:nvSpPr>
+        <p:spPr>
+          <a:xfrm>
+            <a:off x="416632" y="1258996"/>
+            <a:ext cx="8302628" cy="3044100"/>
+          </a:xfrm>
+        </p:spPr>
+        <p:txBody>
+          <a:bodyPr/>
+          <a:lstStyle/>
+          <a:p>
+            <a:r>
+              <a:rPr lang="en-US" dirty="0"/>
+              <a:t>Anonymous Methods</a:t>
+            </a:r>
+          </a:p>
+          <a:p>
+            <a:r>
+              <a:rPr lang="en-US" dirty="0"/>
+              <a:t>Types</a:t>
+            </a:r>
+          </a:p>
+          <a:p>
+            <a:pPr lvl="1"/>
+            <a:r>
+              <a:rPr lang="en-US" dirty="0"/>
+              <a:t>Expression</a:t>
+            </a:r>
+          </a:p>
+          <a:p>
+            <a:pPr lvl="1"/>
+            <a:r>
+              <a:rPr lang="en-US" dirty="0"/>
+              <a:t>Statement</a:t>
+            </a:r>
+          </a:p>
+          <a:p>
+            <a:pPr lvl="1"/>
+            <a:r>
+              <a:rPr lang="en-US" dirty="0"/>
+              <a:t>Async (will discuss when we get to asynchronous programming)</a:t>
+            </a:r>
+          </a:p>
+        </p:txBody>
+      </p:sp>
+    </p:spTree>
+    <p:extLst>
+      <p:ext uri="{BB962C8B-B14F-4D97-AF65-F5344CB8AC3E}">
+        <p14:creationId xmlns:p14="http://schemas.microsoft.com/office/powerpoint/2010/main" val="2457898727"/>
+      </p:ext>
+    </p:extLst>
+  </p:cSld>
+  <p:clrMapOvr>
+    <a:masterClrMapping/>
+  </p:clrMapOvr>
+</p:sld>
+</file>
+
 <file path=ppt/slides/slide4.xml><?xml version="1.0" encoding="utf-8"?>
 <p:sld xmlns:a="http://schemas.openxmlformats.org/drawingml/2006/main" xmlns:r="http://schemas.openxmlformats.org/officeDocument/2006/relationships" xmlns:p="http://schemas.openxmlformats.org/presentationml/2006/main">
   <p:cSld>
@@ -27407,6 +28243,452 @@
     <p:extLst>
       <p:ext uri="{BB962C8B-B14F-4D97-AF65-F5344CB8AC3E}">
         <p14:creationId xmlns:p14="http://schemas.microsoft.com/office/powerpoint/2010/main" val="44310761"/>
+      </p:ext>
+    </p:extLst>
+  </p:cSld>
+  <p:clrMapOvr>
+    <a:masterClrMapping/>
+  </p:clrMapOvr>
+</p:sld>
+</file>
+
+<file path=ppt/slides/slide40.xml><?xml version="1.0" encoding="utf-8"?>
+<p:sld xmlns:a="http://schemas.openxmlformats.org/drawingml/2006/main" xmlns:r="http://schemas.openxmlformats.org/officeDocument/2006/relationships" xmlns:p="http://schemas.openxmlformats.org/presentationml/2006/main">
+  <p:cSld>
+    <p:spTree>
+      <p:nvGrpSpPr>
+        <p:cNvPr id="1" name=""/>
+        <p:cNvGrpSpPr/>
+        <p:nvPr/>
+      </p:nvGrpSpPr>
+      <p:grpSpPr>
+        <a:xfrm>
+          <a:off x="0" y="0"/>
+          <a:ext cx="0" cy="0"/>
+          <a:chOff x="0" y="0"/>
+          <a:chExt cx="0" cy="0"/>
+        </a:xfrm>
+      </p:grpSpPr>
+      <p:sp>
+        <p:nvSpPr>
+          <p:cNvPr id="2" name="Title 1">
+            <a:extLst>
+              <a:ext uri="{FF2B5EF4-FFF2-40B4-BE49-F238E27FC236}">
+                <a16:creationId xmlns:a16="http://schemas.microsoft.com/office/drawing/2014/main" id="{4E61C311-BF0C-4DEA-A690-56603BA70BE6}"/>
+              </a:ext>
+            </a:extLst>
+          </p:cNvPr>
+          <p:cNvSpPr>
+            <a:spLocks noGrp="1"/>
+          </p:cNvSpPr>
+          <p:nvPr>
+            <p:ph type="title"/>
+          </p:nvPr>
+        </p:nvSpPr>
+        <p:spPr/>
+        <p:txBody>
+          <a:bodyPr/>
+          <a:lstStyle/>
+          <a:p>
+            <a:r>
+              <a:rPr lang="en-US" dirty="0"/>
+              <a:t>Expression Lambdas</a:t>
+            </a:r>
+          </a:p>
+        </p:txBody>
+      </p:sp>
+      <p:sp>
+        <p:nvSpPr>
+          <p:cNvPr id="3" name="Text Placeholder 2">
+            <a:extLst>
+              <a:ext uri="{FF2B5EF4-FFF2-40B4-BE49-F238E27FC236}">
+                <a16:creationId xmlns:a16="http://schemas.microsoft.com/office/drawing/2014/main" id="{C83BAFF0-4E1B-4426-A176-BC4499BFD4E6}"/>
+              </a:ext>
+            </a:extLst>
+          </p:cNvPr>
+          <p:cNvSpPr>
+            <a:spLocks noGrp="1"/>
+          </p:cNvSpPr>
+          <p:nvPr>
+            <p:ph type="body" idx="1"/>
+          </p:nvPr>
+        </p:nvSpPr>
+        <p:spPr/>
+        <p:txBody>
+          <a:bodyPr/>
+          <a:lstStyle/>
+          <a:p>
+            <a:r>
+              <a:rPr lang="en-US" dirty="0"/>
+              <a:t>What was used in the LINQ examples.</a:t>
+            </a:r>
+          </a:p>
+          <a:p>
+            <a:r>
+              <a:rPr lang="en-US" dirty="0"/>
+              <a:t>Signified by expression on right side of the =&gt; operator.</a:t>
+            </a:r>
+          </a:p>
+        </p:txBody>
+      </p:sp>
+      <p:pic>
+        <p:nvPicPr>
+          <p:cNvPr id="5" name="Picture 4">
+            <a:extLst>
+              <a:ext uri="{FF2B5EF4-FFF2-40B4-BE49-F238E27FC236}">
+                <a16:creationId xmlns:a16="http://schemas.microsoft.com/office/drawing/2014/main" id="{2A9E5FED-01E7-4D66-8185-9251282C8598}"/>
+              </a:ext>
+            </a:extLst>
+          </p:cNvPr>
+          <p:cNvPicPr>
+            <a:picLocks noChangeAspect="1"/>
+          </p:cNvPicPr>
+          <p:nvPr/>
+        </p:nvPicPr>
+        <p:blipFill>
+          <a:blip r:embed="rId2"/>
+          <a:stretch>
+            <a:fillRect/>
+          </a:stretch>
+        </p:blipFill>
+        <p:spPr>
+          <a:xfrm>
+            <a:off x="1357675" y="2109960"/>
+            <a:ext cx="6420542" cy="2930725"/>
+          </a:xfrm>
+          <a:prstGeom prst="rect">
+            <a:avLst/>
+          </a:prstGeom>
+        </p:spPr>
+      </p:pic>
+    </p:spTree>
+    <p:extLst>
+      <p:ext uri="{BB962C8B-B14F-4D97-AF65-F5344CB8AC3E}">
+        <p14:creationId xmlns:p14="http://schemas.microsoft.com/office/powerpoint/2010/main" val="1667374473"/>
+      </p:ext>
+    </p:extLst>
+  </p:cSld>
+  <p:clrMapOvr>
+    <a:masterClrMapping/>
+  </p:clrMapOvr>
+</p:sld>
+</file>
+
+<file path=ppt/slides/slide41.xml><?xml version="1.0" encoding="utf-8"?>
+<p:sld xmlns:a="http://schemas.openxmlformats.org/drawingml/2006/main" xmlns:r="http://schemas.openxmlformats.org/officeDocument/2006/relationships" xmlns:p="http://schemas.openxmlformats.org/presentationml/2006/main">
+  <p:cSld>
+    <p:spTree>
+      <p:nvGrpSpPr>
+        <p:cNvPr id="1" name=""/>
+        <p:cNvGrpSpPr/>
+        <p:nvPr/>
+      </p:nvGrpSpPr>
+      <p:grpSpPr>
+        <a:xfrm>
+          <a:off x="0" y="0"/>
+          <a:ext cx="0" cy="0"/>
+          <a:chOff x="0" y="0"/>
+          <a:chExt cx="0" cy="0"/>
+        </a:xfrm>
+      </p:grpSpPr>
+      <p:sp>
+        <p:nvSpPr>
+          <p:cNvPr id="2" name="Title 1">
+            <a:extLst>
+              <a:ext uri="{FF2B5EF4-FFF2-40B4-BE49-F238E27FC236}">
+                <a16:creationId xmlns:a16="http://schemas.microsoft.com/office/drawing/2014/main" id="{59E52CC7-52CA-4459-9B4D-D47DB1F4C725}"/>
+              </a:ext>
+            </a:extLst>
+          </p:cNvPr>
+          <p:cNvSpPr>
+            <a:spLocks noGrp="1"/>
+          </p:cNvSpPr>
+          <p:nvPr>
+            <p:ph type="title"/>
+          </p:nvPr>
+        </p:nvSpPr>
+        <p:spPr/>
+        <p:txBody>
+          <a:bodyPr/>
+          <a:lstStyle/>
+          <a:p>
+            <a:r>
+              <a:rPr lang="en-US" dirty="0"/>
+              <a:t>Statement Lambdas</a:t>
+            </a:r>
+          </a:p>
+        </p:txBody>
+      </p:sp>
+      <p:sp>
+        <p:nvSpPr>
+          <p:cNvPr id="3" name="Text Placeholder 2">
+            <a:extLst>
+              <a:ext uri="{FF2B5EF4-FFF2-40B4-BE49-F238E27FC236}">
+                <a16:creationId xmlns:a16="http://schemas.microsoft.com/office/drawing/2014/main" id="{B5239220-D611-4729-ABFE-562F28A42152}"/>
+              </a:ext>
+            </a:extLst>
+          </p:cNvPr>
+          <p:cNvSpPr>
+            <a:spLocks noGrp="1"/>
+          </p:cNvSpPr>
+          <p:nvPr>
+            <p:ph type="body" idx="1"/>
+          </p:nvPr>
+        </p:nvSpPr>
+        <p:spPr/>
+        <p:txBody>
+          <a:bodyPr/>
+          <a:lstStyle/>
+          <a:p>
+            <a:r>
+              <a:rPr lang="en-US" dirty="0"/>
+              <a:t>Signified by statement on right side of =&gt; operator surrounded by { }.</a:t>
+            </a:r>
+          </a:p>
+        </p:txBody>
+      </p:sp>
+      <p:pic>
+        <p:nvPicPr>
+          <p:cNvPr id="4" name="Picture 3">
+            <a:extLst>
+              <a:ext uri="{FF2B5EF4-FFF2-40B4-BE49-F238E27FC236}">
+                <a16:creationId xmlns:a16="http://schemas.microsoft.com/office/drawing/2014/main" id="{AAE70DF0-7F5C-4922-A496-D64C3D733D3B}"/>
+              </a:ext>
+            </a:extLst>
+          </p:cNvPr>
+          <p:cNvPicPr>
+            <a:picLocks noChangeAspect="1"/>
+          </p:cNvPicPr>
+          <p:nvPr/>
+        </p:nvPicPr>
+        <p:blipFill>
+          <a:blip r:embed="rId2"/>
+          <a:stretch>
+            <a:fillRect/>
+          </a:stretch>
+        </p:blipFill>
+        <p:spPr>
+          <a:xfrm>
+            <a:off x="2080933" y="2032348"/>
+            <a:ext cx="4982134" cy="3077626"/>
+          </a:xfrm>
+          <a:prstGeom prst="rect">
+            <a:avLst/>
+          </a:prstGeom>
+        </p:spPr>
+      </p:pic>
+    </p:spTree>
+    <p:extLst>
+      <p:ext uri="{BB962C8B-B14F-4D97-AF65-F5344CB8AC3E}">
+        <p14:creationId xmlns:p14="http://schemas.microsoft.com/office/powerpoint/2010/main" val="1724987699"/>
+      </p:ext>
+    </p:extLst>
+  </p:cSld>
+  <p:clrMapOvr>
+    <a:masterClrMapping/>
+  </p:clrMapOvr>
+</p:sld>
+</file>
+
+<file path=ppt/slides/slide42.xml><?xml version="1.0" encoding="utf-8"?>
+<p:sld xmlns:a="http://schemas.openxmlformats.org/drawingml/2006/main" xmlns:r="http://schemas.openxmlformats.org/officeDocument/2006/relationships" xmlns:p="http://schemas.openxmlformats.org/presentationml/2006/main">
+  <p:cSld>
+    <p:spTree>
+      <p:nvGrpSpPr>
+        <p:cNvPr id="1" name=""/>
+        <p:cNvGrpSpPr/>
+        <p:nvPr/>
+      </p:nvGrpSpPr>
+      <p:grpSpPr>
+        <a:xfrm>
+          <a:off x="0" y="0"/>
+          <a:ext cx="0" cy="0"/>
+          <a:chOff x="0" y="0"/>
+          <a:chExt cx="0" cy="0"/>
+        </a:xfrm>
+      </p:grpSpPr>
+      <p:sp>
+        <p:nvSpPr>
+          <p:cNvPr id="2" name="Title 1">
+            <a:extLst>
+              <a:ext uri="{FF2B5EF4-FFF2-40B4-BE49-F238E27FC236}">
+                <a16:creationId xmlns:a16="http://schemas.microsoft.com/office/drawing/2014/main" id="{1DF94F9A-026F-45E3-AB06-55C7449BDD28}"/>
+              </a:ext>
+            </a:extLst>
+          </p:cNvPr>
+          <p:cNvSpPr>
+            <a:spLocks noGrp="1"/>
+          </p:cNvSpPr>
+          <p:nvPr>
+            <p:ph type="title"/>
+          </p:nvPr>
+        </p:nvSpPr>
+        <p:spPr/>
+        <p:txBody>
+          <a:bodyPr/>
+          <a:lstStyle/>
+          <a:p>
+            <a:r>
+              <a:rPr lang="en-US" dirty="0"/>
+              <a:t>Taking LINQ too far</a:t>
+            </a:r>
+          </a:p>
+        </p:txBody>
+      </p:sp>
+      <p:sp>
+        <p:nvSpPr>
+          <p:cNvPr id="3" name="Text Placeholder 2">
+            <a:extLst>
+              <a:ext uri="{FF2B5EF4-FFF2-40B4-BE49-F238E27FC236}">
+                <a16:creationId xmlns:a16="http://schemas.microsoft.com/office/drawing/2014/main" id="{AAC6492D-B0F3-4601-93AB-34F04D6477A7}"/>
+              </a:ext>
+            </a:extLst>
+          </p:cNvPr>
+          <p:cNvSpPr>
+            <a:spLocks noGrp="1"/>
+          </p:cNvSpPr>
+          <p:nvPr>
+            <p:ph type="body" idx="1"/>
+          </p:nvPr>
+        </p:nvSpPr>
+        <p:spPr/>
+        <p:txBody>
+          <a:bodyPr/>
+          <a:lstStyle/>
+          <a:p>
+            <a:r>
+              <a:rPr lang="en-US" dirty="0"/>
+              <a:t>Horrifying example</a:t>
+            </a:r>
+          </a:p>
+          <a:p>
+            <a:pPr lvl="1"/>
+            <a:r>
+              <a:rPr lang="en-US" dirty="0">
+                <a:hlinkClick r:id="rId2"/>
+              </a:rPr>
+              <a:t>https://projecteuler.net/problem=4</a:t>
+            </a:r>
+            <a:endParaRPr lang="en-US" dirty="0"/>
+          </a:p>
+          <a:p>
+            <a:pPr lvl="1"/>
+            <a:endParaRPr lang="en-US" dirty="0"/>
+          </a:p>
+        </p:txBody>
+      </p:sp>
+    </p:spTree>
+    <p:extLst>
+      <p:ext uri="{BB962C8B-B14F-4D97-AF65-F5344CB8AC3E}">
+        <p14:creationId xmlns:p14="http://schemas.microsoft.com/office/powerpoint/2010/main" val="747049106"/>
+      </p:ext>
+    </p:extLst>
+  </p:cSld>
+  <p:clrMapOvr>
+    <a:masterClrMapping/>
+  </p:clrMapOvr>
+</p:sld>
+</file>
+
+<file path=ppt/slides/slide43.xml><?xml version="1.0" encoding="utf-8"?>
+<p:sld xmlns:a="http://schemas.openxmlformats.org/drawingml/2006/main" xmlns:r="http://schemas.openxmlformats.org/officeDocument/2006/relationships" xmlns:p="http://schemas.openxmlformats.org/presentationml/2006/main">
+  <p:cSld>
+    <p:spTree>
+      <p:nvGrpSpPr>
+        <p:cNvPr id="1" name=""/>
+        <p:cNvGrpSpPr/>
+        <p:nvPr/>
+      </p:nvGrpSpPr>
+      <p:grpSpPr>
+        <a:xfrm>
+          <a:off x="0" y="0"/>
+          <a:ext cx="0" cy="0"/>
+          <a:chOff x="0" y="0"/>
+          <a:chExt cx="0" cy="0"/>
+        </a:xfrm>
+      </p:grpSpPr>
+      <p:sp>
+        <p:nvSpPr>
+          <p:cNvPr id="2" name="Title 1">
+            <a:extLst>
+              <a:ext uri="{FF2B5EF4-FFF2-40B4-BE49-F238E27FC236}">
+                <a16:creationId xmlns:a16="http://schemas.microsoft.com/office/drawing/2014/main" id="{E322CBB6-0E64-48BB-98A9-F121070B6214}"/>
+              </a:ext>
+            </a:extLst>
+          </p:cNvPr>
+          <p:cNvSpPr>
+            <a:spLocks noGrp="1"/>
+          </p:cNvSpPr>
+          <p:nvPr>
+            <p:ph type="title"/>
+          </p:nvPr>
+        </p:nvSpPr>
+        <p:spPr/>
+        <p:txBody>
+          <a:bodyPr/>
+          <a:lstStyle/>
+          <a:p>
+            <a:r>
+              <a:rPr lang="en-US" dirty="0"/>
+              <a:t>Lab</a:t>
+            </a:r>
+          </a:p>
+        </p:txBody>
+      </p:sp>
+      <p:sp>
+        <p:nvSpPr>
+          <p:cNvPr id="3" name="Text Placeholder 2">
+            <a:extLst>
+              <a:ext uri="{FF2B5EF4-FFF2-40B4-BE49-F238E27FC236}">
+                <a16:creationId xmlns:a16="http://schemas.microsoft.com/office/drawing/2014/main" id="{D792FA3E-EC03-4907-8F5F-08CF0B85B902}"/>
+              </a:ext>
+            </a:extLst>
+          </p:cNvPr>
+          <p:cNvSpPr>
+            <a:spLocks noGrp="1"/>
+          </p:cNvSpPr>
+          <p:nvPr>
+            <p:ph type="body" idx="1"/>
+          </p:nvPr>
+        </p:nvSpPr>
+        <p:spPr/>
+        <p:txBody>
+          <a:bodyPr/>
+          <a:lstStyle/>
+          <a:p>
+            <a:r>
+              <a:rPr lang="en-US" dirty="0">
+                <a:hlinkClick r:id="rId2"/>
+              </a:rPr>
+              <a:t>https://projecteuler.net/archives</a:t>
+            </a:r>
+            <a:endParaRPr lang="en-US" dirty="0"/>
+          </a:p>
+          <a:p>
+            <a:pPr lvl="1"/>
+            <a:r>
+              <a:rPr lang="en-US" dirty="0"/>
+              <a:t>Navigate for interesting problems and develop a solution using LINQ.</a:t>
+            </a:r>
+          </a:p>
+          <a:p>
+            <a:pPr lvl="1"/>
+            <a:r>
+              <a:rPr lang="en-US" dirty="0"/>
+              <a:t>If you consider your problem interesting enough, submit it for HW 5 pt.1 (remember, you </a:t>
+            </a:r>
+            <a:r>
+              <a:rPr lang="en-US"/>
+              <a:t>can submit more than 1 problem).</a:t>
+            </a:r>
+            <a:endParaRPr lang="en-US" dirty="0"/>
+          </a:p>
+        </p:txBody>
+      </p:sp>
+    </p:spTree>
+    <p:extLst>
+      <p:ext uri="{BB962C8B-B14F-4D97-AF65-F5344CB8AC3E}">
+        <p14:creationId xmlns:p14="http://schemas.microsoft.com/office/powerpoint/2010/main" val="2235013644"/>
       </p:ext>
     </p:extLst>
   </p:cSld>

--- a/Documents/Powerpoints/5.0 LINQ and Lambda Expressions.pptx
+++ b/Documents/Powerpoints/5.0 LINQ and Lambda Expressions.pptx
@@ -23066,6 +23066,10 @@
               </a:spcAft>
               <a:buNone/>
             </a:pPr>
+            <a:r>
+              <a:rPr lang="en-US" dirty="0"/>
+              <a:t/>
+            </a:r>
             <a:br>
               <a:rPr lang="en-US" dirty="0"/>
             </a:br>
@@ -23489,6 +23493,13 @@
   <p:clrMapOvr>
     <a:masterClrMapping/>
   </p:clrMapOvr>
+  <p:timing>
+    <p:tnLst>
+      <p:par>
+        <p:cTn id="1" dur="indefinite" restart="never" nodeType="tmRoot"/>
+      </p:par>
+    </p:tnLst>
+  </p:timing>
 </p:sld>
 </file>
 
@@ -23683,6 +23694,13 @@
   <p:clrMapOvr>
     <a:masterClrMapping/>
   </p:clrMapOvr>
+  <p:timing>
+    <p:tnLst>
+      <p:par>
+        <p:cTn id="1" dur="indefinite" restart="never" nodeType="tmRoot"/>
+      </p:par>
+    </p:tnLst>
+  </p:timing>
 </p:sld>
 </file>
 
@@ -23854,6 +23872,13 @@
   <p:clrMapOvr>
     <a:masterClrMapping/>
   </p:clrMapOvr>
+  <p:timing>
+    <p:tnLst>
+      <p:par>
+        <p:cTn id="1" dur="indefinite" restart="never" nodeType="tmRoot"/>
+      </p:par>
+    </p:tnLst>
+  </p:timing>
 </p:sld>
 </file>
 
@@ -24025,6 +24050,13 @@
   <p:clrMapOvr>
     <a:masterClrMapping/>
   </p:clrMapOvr>
+  <p:timing>
+    <p:tnLst>
+      <p:par>
+        <p:cTn id="1" dur="indefinite" restart="never" nodeType="tmRoot"/>
+      </p:par>
+    </p:tnLst>
+  </p:timing>
 </p:sld>
 </file>
 
@@ -24205,6 +24237,13 @@
   <p:clrMapOvr>
     <a:masterClrMapping/>
   </p:clrMapOvr>
+  <p:timing>
+    <p:tnLst>
+      <p:par>
+        <p:cTn id="1" dur="indefinite" restart="never" nodeType="tmRoot"/>
+      </p:par>
+    </p:tnLst>
+  </p:timing>
 </p:sld>
 </file>
 
@@ -24384,6 +24423,13 @@
   <p:clrMapOvr>
     <a:masterClrMapping/>
   </p:clrMapOvr>
+  <p:timing>
+    <p:tnLst>
+      <p:par>
+        <p:cTn id="1" dur="indefinite" restart="never" nodeType="tmRoot"/>
+      </p:par>
+    </p:tnLst>
+  </p:timing>
 </p:sld>
 </file>
 
@@ -24552,6 +24598,13 @@
   <p:clrMapOvr>
     <a:masterClrMapping/>
   </p:clrMapOvr>
+  <p:timing>
+    <p:tnLst>
+      <p:par>
+        <p:cTn id="1" dur="indefinite" restart="never" nodeType="tmRoot"/>
+      </p:par>
+    </p:tnLst>
+  </p:timing>
 </p:sld>
 </file>
 
@@ -24720,6 +24773,13 @@
   <p:clrMapOvr>
     <a:masterClrMapping/>
   </p:clrMapOvr>
+  <p:timing>
+    <p:tnLst>
+      <p:par>
+        <p:cTn id="1" dur="indefinite" restart="never" nodeType="tmRoot"/>
+      </p:par>
+    </p:tnLst>
+  </p:timing>
 </p:sld>
 </file>
 
@@ -24912,6 +24972,13 @@
   <p:clrMapOvr>
     <a:masterClrMapping/>
   </p:clrMapOvr>
+  <p:timing>
+    <p:tnLst>
+      <p:par>
+        <p:cTn id="1" dur="indefinite" restart="never" nodeType="tmRoot"/>
+      </p:par>
+    </p:tnLst>
+  </p:timing>
 </p:sld>
 </file>
 
@@ -25255,6 +25322,13 @@
   <p:clrMapOvr>
     <a:masterClrMapping/>
   </p:clrMapOvr>
+  <p:timing>
+    <p:tnLst>
+      <p:par>
+        <p:cTn id="1" dur="indefinite" restart="never" nodeType="tmRoot"/>
+      </p:par>
+    </p:tnLst>
+  </p:timing>
 </p:sld>
 </file>
 
@@ -25482,6 +25556,13 @@
   <p:clrMapOvr>
     <a:masterClrMapping/>
   </p:clrMapOvr>
+  <p:timing>
+    <p:tnLst>
+      <p:par>
+        <p:cTn id="1" dur="indefinite" restart="never" nodeType="tmRoot"/>
+      </p:par>
+    </p:tnLst>
+  </p:timing>
 </p:sld>
 </file>
 
@@ -25687,6 +25768,13 @@
   <p:clrMapOvr>
     <a:masterClrMapping/>
   </p:clrMapOvr>
+  <p:timing>
+    <p:tnLst>
+      <p:par>
+        <p:cTn id="1" dur="indefinite" restart="never" nodeType="tmRoot"/>
+      </p:par>
+    </p:tnLst>
+  </p:timing>
 </p:sld>
 </file>
 
@@ -25873,6 +25961,13 @@
   <p:clrMapOvr>
     <a:masterClrMapping/>
   </p:clrMapOvr>
+  <p:timing>
+    <p:tnLst>
+      <p:par>
+        <p:cTn id="1" dur="indefinite" restart="never" nodeType="tmRoot"/>
+      </p:par>
+    </p:tnLst>
+  </p:timing>
 </p:sld>
 </file>
 
@@ -26037,6 +26132,13 @@
   <p:clrMapOvr>
     <a:masterClrMapping/>
   </p:clrMapOvr>
+  <p:timing>
+    <p:tnLst>
+      <p:par>
+        <p:cTn id="1" dur="indefinite" restart="never" nodeType="tmRoot"/>
+      </p:par>
+    </p:tnLst>
+  </p:timing>
 </p:sld>
 </file>
 
@@ -26234,6 +26336,13 @@
   <p:clrMapOvr>
     <a:masterClrMapping/>
   </p:clrMapOvr>
+  <p:timing>
+    <p:tnLst>
+      <p:par>
+        <p:cTn id="1" dur="indefinite" restart="never" nodeType="tmRoot"/>
+      </p:par>
+    </p:tnLst>
+  </p:timing>
 </p:sld>
 </file>
 
@@ -26406,6 +26515,13 @@
   <p:clrMapOvr>
     <a:masterClrMapping/>
   </p:clrMapOvr>
+  <p:timing>
+    <p:tnLst>
+      <p:par>
+        <p:cTn id="1" dur="indefinite" restart="never" nodeType="tmRoot"/>
+      </p:par>
+    </p:tnLst>
+  </p:timing>
 </p:sld>
 </file>
 
@@ -26600,6 +26716,13 @@
   <p:clrMapOvr>
     <a:masterClrMapping/>
   </p:clrMapOvr>
+  <p:timing>
+    <p:tnLst>
+      <p:par>
+        <p:cTn id="1" dur="indefinite" restart="never" nodeType="tmRoot"/>
+      </p:par>
+    </p:tnLst>
+  </p:timing>
 </p:sld>
 </file>
 
@@ -26762,6 +26885,13 @@
   <p:clrMapOvr>
     <a:masterClrMapping/>
   </p:clrMapOvr>
+  <p:timing>
+    <p:tnLst>
+      <p:par>
+        <p:cTn id="1" dur="indefinite" restart="never" nodeType="tmRoot"/>
+      </p:par>
+    </p:tnLst>
+  </p:timing>
 </p:sld>
 </file>
 
@@ -26958,6 +27088,13 @@
   <p:clrMapOvr>
     <a:masterClrMapping/>
   </p:clrMapOvr>
+  <p:timing>
+    <p:tnLst>
+      <p:par>
+        <p:cTn id="1" dur="indefinite" restart="never" nodeType="tmRoot"/>
+      </p:par>
+    </p:tnLst>
+  </p:timing>
 </p:sld>
 </file>
 
@@ -27162,6 +27299,13 @@
   <p:clrMapOvr>
     <a:masterClrMapping/>
   </p:clrMapOvr>
+  <p:timing>
+    <p:tnLst>
+      <p:par>
+        <p:cTn id="1" dur="indefinite" restart="never" nodeType="tmRoot"/>
+      </p:par>
+    </p:tnLst>
+  </p:timing>
 </p:sld>
 </file>
 
@@ -27238,6 +27382,13 @@
   <p:clrMapOvr>
     <a:masterClrMapping/>
   </p:clrMapOvr>
+  <p:timing>
+    <p:tnLst>
+      <p:par>
+        <p:cTn id="1" dur="indefinite" restart="never" nodeType="tmRoot"/>
+      </p:par>
+    </p:tnLst>
+  </p:timing>
 </p:sld>
 </file>
 
@@ -27336,6 +27487,13 @@
   <p:clrMapOvr>
     <a:masterClrMapping/>
   </p:clrMapOvr>
+  <p:timing>
+    <p:tnLst>
+      <p:par>
+        <p:cTn id="1" dur="indefinite" restart="never" nodeType="tmRoot"/>
+      </p:par>
+    </p:tnLst>
+  </p:timing>
 </p:sld>
 </file>
 
@@ -27447,6 +27605,13 @@
   <p:clrMapOvr>
     <a:masterClrMapping/>
   </p:clrMapOvr>
+  <p:timing>
+    <p:tnLst>
+      <p:par>
+        <p:cTn id="1" dur="indefinite" restart="never" nodeType="tmRoot"/>
+      </p:par>
+    </p:tnLst>
+  </p:timing>
 </p:sld>
 </file>
 
@@ -27540,6 +27705,13 @@
   <p:clrMapOvr>
     <a:masterClrMapping/>
   </p:clrMapOvr>
+  <p:timing>
+    <p:tnLst>
+      <p:par>
+        <p:cTn id="1" dur="indefinite" restart="never" nodeType="tmRoot"/>
+      </p:par>
+    </p:tnLst>
+  </p:timing>
 </p:sld>
 </file>
 
@@ -27633,6 +27805,13 @@
   <p:clrMapOvr>
     <a:masterClrMapping/>
   </p:clrMapOvr>
+  <p:timing>
+    <p:tnLst>
+      <p:par>
+        <p:cTn id="1" dur="indefinite" restart="never" nodeType="tmRoot"/>
+      </p:par>
+    </p:tnLst>
+  </p:timing>
 </p:sld>
 </file>
 
@@ -27765,6 +27944,13 @@
   <p:clrMapOvr>
     <a:masterClrMapping/>
   </p:clrMapOvr>
+  <p:timing>
+    <p:tnLst>
+      <p:par>
+        <p:cTn id="1" dur="indefinite" restart="never" nodeType="tmRoot"/>
+      </p:par>
+    </p:tnLst>
+  </p:timing>
 </p:sld>
 </file>
 
@@ -27922,6 +28108,13 @@
   <p:clrMapOvr>
     <a:masterClrMapping/>
   </p:clrMapOvr>
+  <p:timing>
+    <p:tnLst>
+      <p:par>
+        <p:cTn id="1" dur="indefinite" restart="never" nodeType="tmRoot"/>
+      </p:par>
+    </p:tnLst>
+  </p:timing>
 </p:sld>
 </file>
 
@@ -28043,6 +28236,13 @@
   <p:clrMapOvr>
     <a:masterClrMapping/>
   </p:clrMapOvr>
+  <p:timing>
+    <p:tnLst>
+      <p:par>
+        <p:cTn id="1" dur="indefinite" restart="never" nodeType="tmRoot"/>
+      </p:par>
+    </p:tnLst>
+  </p:timing>
 </p:sld>
 </file>
 
@@ -28161,6 +28361,13 @@
   <p:clrMapOvr>
     <a:masterClrMapping/>
   </p:clrMapOvr>
+  <p:timing>
+    <p:tnLst>
+      <p:par>
+        <p:cTn id="1" dur="indefinite" restart="never" nodeType="tmRoot"/>
+      </p:par>
+    </p:tnLst>
+  </p:timing>
 </p:sld>
 </file>
 
@@ -28371,6 +28578,13 @@
   <p:clrMapOvr>
     <a:masterClrMapping/>
   </p:clrMapOvr>
+  <p:timing>
+    <p:tnLst>
+      <p:par>
+        <p:cTn id="1" dur="indefinite" restart="never" nodeType="tmRoot"/>
+      </p:par>
+    </p:tnLst>
+  </p:timing>
 </p:sld>
 </file>
 
@@ -28487,6 +28701,13 @@
   <p:clrMapOvr>
     <a:masterClrMapping/>
   </p:clrMapOvr>
+  <p:timing>
+    <p:tnLst>
+      <p:par>
+        <p:cTn id="1" dur="indefinite" restart="never" nodeType="tmRoot"/>
+      </p:par>
+    </p:tnLst>
+  </p:timing>
 </p:sld>
 </file>
 
@@ -28587,6 +28808,13 @@
   <p:clrMapOvr>
     <a:masterClrMapping/>
   </p:clrMapOvr>
+  <p:timing>
+    <p:tnLst>
+      <p:par>
+        <p:cTn id="1" dur="indefinite" restart="never" nodeType="tmRoot"/>
+      </p:par>
+    </p:tnLst>
+  </p:timing>
 </p:sld>
 </file>
 
@@ -28695,6 +28923,13 @@
   <p:clrMapOvr>
     <a:masterClrMapping/>
   </p:clrMapOvr>
+  <p:timing>
+    <p:tnLst>
+      <p:par>
+        <p:cTn id="1" dur="indefinite" restart="never" nodeType="tmRoot"/>
+      </p:par>
+    </p:tnLst>
+  </p:timing>
 </p:sld>
 </file>
 
@@ -28823,8 +29058,8 @@
               <a:t>Syntax (</a:t>
             </a:r>
             <a:r>
-              <a:rPr lang="en-US" dirty="0" err="1"/>
-              <a:t>Ienumerable</a:t>
+              <a:rPr lang="en-US" dirty="0" err="1" smtClean="0"/>
+              <a:t>IEnumerable</a:t>
             </a:r>
             <a:r>
               <a:rPr lang="en-US" dirty="0"/>
